--- a/assets/public/Chapter_4_ComprehensiveProblem/documents/Approach/Comprehensive Problem - Approach.pptx
+++ b/assets/public/Chapter_4_ComprehensiveProblem/documents/Approach/Comprehensive Problem - Approach.pptx
@@ -5,7 +5,7 @@
     <p:sldMasterId id="2147483695" r:id="rId1"/>
   </p:sldMasterIdLst>
   <p:notesMasterIdLst>
-    <p:notesMasterId r:id="rId28"/>
+    <p:notesMasterId r:id="rId31"/>
   </p:notesMasterIdLst>
   <p:sldIdLst>
     <p:sldId id="1672" r:id="rId2"/>
@@ -34,6 +34,9 @@
     <p:sldId id="2987" r:id="rId25"/>
     <p:sldId id="271" r:id="rId26"/>
     <p:sldId id="2997" r:id="rId27"/>
+    <p:sldId id="2999" r:id="rId28"/>
+    <p:sldId id="3000" r:id="rId29"/>
+    <p:sldId id="3001" r:id="rId30"/>
   </p:sldIdLst>
   <p:sldSz cx="9144000" cy="6858000" type="screen4x3"/>
   <p:notesSz cx="6858000" cy="9144000"/>
@@ -385,7 +388,7 @@
           <a:p>
             <a:fld id="{5824951C-FC50-4366-BA5C-EA1DD565F17B}" type="datetimeFigureOut">
               <a:rPr lang="en-US" smtClean="0"/>
-              <a:t>8/5/2019</a:t>
+              <a:t>8/7/2019</a:t>
             </a:fld>
             <a:endParaRPr lang="en-US"/>
           </a:p>
@@ -682,14 +685,14 @@
         <p:spPr>
           <a:extLst>
             <a:ext uri="{909E8E84-426E-40dd-AFC4-6F175D3DCCD1}">
-              <a14:hiddenFill xmlns="" xmlns:a14="http://schemas.microsoft.com/office/drawing/2010/main">
+              <a14:hiddenFill xmlns:a14="http://schemas.microsoft.com/office/drawing/2010/main" xmlns="">
                 <a:solidFill>
                   <a:srgbClr val="FFFFFF"/>
                 </a:solidFill>
               </a14:hiddenFill>
             </a:ext>
             <a:ext uri="{91240B29-F687-4f45-9708-019B960494DF}">
-              <a14:hiddenLine xmlns="" xmlns:a14="http://schemas.microsoft.com/office/drawing/2010/main" w="9525" algn="ctr">
+              <a14:hiddenLine xmlns:a14="http://schemas.microsoft.com/office/drawing/2010/main" xmlns="" w="9525" algn="ctr">
                 <a:solidFill>
                   <a:srgbClr val="000000"/>
                 </a:solidFill>
@@ -832,14 +835,14 @@
         <p:spPr>
           <a:extLst>
             <a:ext uri="{909E8E84-426E-40dd-AFC4-6F175D3DCCD1}">
-              <a14:hiddenFill xmlns="" xmlns:a14="http://schemas.microsoft.com/office/drawing/2010/main">
+              <a14:hiddenFill xmlns:a14="http://schemas.microsoft.com/office/drawing/2010/main" xmlns="">
                 <a:solidFill>
                   <a:srgbClr val="FFFFFF"/>
                 </a:solidFill>
               </a14:hiddenFill>
             </a:ext>
             <a:ext uri="{91240B29-F687-4f45-9708-019B960494DF}">
-              <a14:hiddenLine xmlns="" xmlns:a14="http://schemas.microsoft.com/office/drawing/2010/main" w="9525" algn="ctr">
+              <a14:hiddenLine xmlns:a14="http://schemas.microsoft.com/office/drawing/2010/main" xmlns="" w="9525" algn="ctr">
                 <a:solidFill>
                   <a:srgbClr val="000000"/>
                 </a:solidFill>
@@ -959,7 +962,7 @@
               <a:pPr eaLnBrk="1" hangingPunct="1">
                 <a:defRPr/>
               </a:pPr>
-              <a:t>2019-08-05</a:t>
+              <a:t>2019-08-07</a:t>
             </a:fld>
             <a:endParaRPr lang="en-US" altLang="ko-KR" dirty="0">
               <a:ea typeface="굴림" pitchFamily="34" charset="-127"/>
@@ -989,14 +992,14 @@
           </a:ln>
           <a:extLst>
             <a:ext uri="{909E8E84-426E-40dd-AFC4-6F175D3DCCD1}">
-              <a14:hiddenFill xmlns="" xmlns:a14="http://schemas.microsoft.com/office/drawing/2010/main">
+              <a14:hiddenFill xmlns:a14="http://schemas.microsoft.com/office/drawing/2010/main" xmlns="">
                 <a:solidFill>
                   <a:srgbClr val="FFFFFF"/>
                 </a:solidFill>
               </a14:hiddenFill>
             </a:ext>
             <a:ext uri="{91240B29-F687-4f45-9708-019B960494DF}">
-              <a14:hiddenLine xmlns="" xmlns:a14="http://schemas.microsoft.com/office/drawing/2010/main" w="9525" algn="ctr">
+              <a14:hiddenLine xmlns:a14="http://schemas.microsoft.com/office/drawing/2010/main" xmlns="" w="9525" algn="ctr">
                 <a:solidFill>
                   <a:srgbClr val="000000"/>
                 </a:solidFill>
@@ -1163,14 +1166,14 @@
           <a:ln/>
           <a:extLst>
             <a:ext uri="{909E8E84-426E-40dd-AFC4-6F175D3DCCD1}">
-              <a14:hiddenFill xmlns="" xmlns:a14="http://schemas.microsoft.com/office/drawing/2010/main">
+              <a14:hiddenFill xmlns:a14="http://schemas.microsoft.com/office/drawing/2010/main" xmlns="">
                 <a:solidFill>
                   <a:srgbClr val="FFFFFF"/>
                 </a:solidFill>
               </a14:hiddenFill>
             </a:ext>
             <a:ext uri="{91240B29-F687-4f45-9708-019B960494DF}">
-              <a14:hiddenLine xmlns="" xmlns:a14="http://schemas.microsoft.com/office/drawing/2010/main" w="9525" algn="ctr">
+              <a14:hiddenLine xmlns:a14="http://schemas.microsoft.com/office/drawing/2010/main" xmlns="" w="9525" algn="ctr">
                 <a:solidFill>
                   <a:srgbClr val="000000"/>
                 </a:solidFill>
@@ -2184,6 +2187,276 @@
     <p:extLst>
       <p:ext uri="{BB962C8B-B14F-4D97-AF65-F5344CB8AC3E}">
         <p14:creationId xmlns:p14="http://schemas.microsoft.com/office/powerpoint/2010/main" val="278862809"/>
+      </p:ext>
+    </p:extLst>
+  </p:cSld>
+  <p:clrMapOvr>
+    <a:masterClrMapping/>
+  </p:clrMapOvr>
+</p:notes>
+</file>
+
+<file path=ppt/notesSlides/notesSlide20.xml><?xml version="1.0" encoding="utf-8"?>
+<p:notes xmlns:a="http://schemas.openxmlformats.org/drawingml/2006/main" xmlns:r="http://schemas.openxmlformats.org/officeDocument/2006/relationships" xmlns:p="http://schemas.openxmlformats.org/presentationml/2006/main">
+  <p:cSld>
+    <p:spTree>
+      <p:nvGrpSpPr>
+        <p:cNvPr id="1" name=""/>
+        <p:cNvGrpSpPr/>
+        <p:nvPr/>
+      </p:nvGrpSpPr>
+      <p:grpSpPr>
+        <a:xfrm>
+          <a:off x="0" y="0"/>
+          <a:ext cx="0" cy="0"/>
+          <a:chOff x="0" y="0"/>
+          <a:chExt cx="0" cy="0"/>
+        </a:xfrm>
+      </p:grpSpPr>
+      <p:sp>
+        <p:nvSpPr>
+          <p:cNvPr id="2" name="Slide Image Placeholder 1"/>
+          <p:cNvSpPr>
+            <a:spLocks noGrp="1" noRot="1" noChangeAspect="1"/>
+          </p:cNvSpPr>
+          <p:nvPr>
+            <p:ph type="sldImg"/>
+          </p:nvPr>
+        </p:nvSpPr>
+        <p:spPr>
+          <a:xfrm>
+            <a:off x="1371600" y="1143000"/>
+            <a:ext cx="4114800" cy="3086100"/>
+          </a:xfrm>
+        </p:spPr>
+      </p:sp>
+      <p:sp>
+        <p:nvSpPr>
+          <p:cNvPr id="3" name="Notes Placeholder 2"/>
+          <p:cNvSpPr>
+            <a:spLocks noGrp="1"/>
+          </p:cNvSpPr>
+          <p:nvPr>
+            <p:ph type="body" idx="1"/>
+          </p:nvPr>
+        </p:nvSpPr>
+        <p:spPr/>
+        <p:txBody>
+          <a:bodyPr/>
+          <a:lstStyle/>
+          <a:p>
+            <a:endParaRPr lang="en-US"/>
+          </a:p>
+        </p:txBody>
+      </p:sp>
+      <p:sp>
+        <p:nvSpPr>
+          <p:cNvPr id="4" name="Slide Number Placeholder 3"/>
+          <p:cNvSpPr>
+            <a:spLocks noGrp="1"/>
+          </p:cNvSpPr>
+          <p:nvPr>
+            <p:ph type="sldNum" sz="quarter" idx="10"/>
+          </p:nvPr>
+        </p:nvSpPr>
+        <p:spPr/>
+        <p:txBody>
+          <a:bodyPr/>
+          <a:lstStyle/>
+          <a:p>
+            <a:fld id="{9E50BA43-FF6F-4972-A3F8-F4EFD4358E5E}" type="slidenum">
+              <a:rPr lang="en-US" smtClean="0"/>
+              <a:pPr/>
+              <a:t>27</a:t>
+            </a:fld>
+            <a:endParaRPr lang="en-US" dirty="0"/>
+          </a:p>
+        </p:txBody>
+      </p:sp>
+    </p:spTree>
+    <p:extLst>
+      <p:ext uri="{BB962C8B-B14F-4D97-AF65-F5344CB8AC3E}">
+        <p14:creationId xmlns:p14="http://schemas.microsoft.com/office/powerpoint/2010/main" val="1109580172"/>
+      </p:ext>
+    </p:extLst>
+  </p:cSld>
+  <p:clrMapOvr>
+    <a:masterClrMapping/>
+  </p:clrMapOvr>
+</p:notes>
+</file>
+
+<file path=ppt/notesSlides/notesSlide21.xml><?xml version="1.0" encoding="utf-8"?>
+<p:notes xmlns:a="http://schemas.openxmlformats.org/drawingml/2006/main" xmlns:r="http://schemas.openxmlformats.org/officeDocument/2006/relationships" xmlns:p="http://schemas.openxmlformats.org/presentationml/2006/main">
+  <p:cSld>
+    <p:spTree>
+      <p:nvGrpSpPr>
+        <p:cNvPr id="1" name=""/>
+        <p:cNvGrpSpPr/>
+        <p:nvPr/>
+      </p:nvGrpSpPr>
+      <p:grpSpPr>
+        <a:xfrm>
+          <a:off x="0" y="0"/>
+          <a:ext cx="0" cy="0"/>
+          <a:chOff x="0" y="0"/>
+          <a:chExt cx="0" cy="0"/>
+        </a:xfrm>
+      </p:grpSpPr>
+      <p:sp>
+        <p:nvSpPr>
+          <p:cNvPr id="2" name="Slide Image Placeholder 1"/>
+          <p:cNvSpPr>
+            <a:spLocks noGrp="1" noRot="1" noChangeAspect="1"/>
+          </p:cNvSpPr>
+          <p:nvPr>
+            <p:ph type="sldImg"/>
+          </p:nvPr>
+        </p:nvSpPr>
+        <p:spPr>
+          <a:xfrm>
+            <a:off x="1371600" y="1143000"/>
+            <a:ext cx="4114800" cy="3086100"/>
+          </a:xfrm>
+        </p:spPr>
+      </p:sp>
+      <p:sp>
+        <p:nvSpPr>
+          <p:cNvPr id="3" name="Notes Placeholder 2"/>
+          <p:cNvSpPr>
+            <a:spLocks noGrp="1"/>
+          </p:cNvSpPr>
+          <p:nvPr>
+            <p:ph type="body" idx="1"/>
+          </p:nvPr>
+        </p:nvSpPr>
+        <p:spPr/>
+        <p:txBody>
+          <a:bodyPr/>
+          <a:lstStyle/>
+          <a:p>
+            <a:endParaRPr lang="en-US" dirty="0"/>
+          </a:p>
+        </p:txBody>
+      </p:sp>
+      <p:sp>
+        <p:nvSpPr>
+          <p:cNvPr id="4" name="Slide Number Placeholder 3"/>
+          <p:cNvSpPr>
+            <a:spLocks noGrp="1"/>
+          </p:cNvSpPr>
+          <p:nvPr>
+            <p:ph type="sldNum" sz="quarter" idx="10"/>
+          </p:nvPr>
+        </p:nvSpPr>
+        <p:spPr/>
+        <p:txBody>
+          <a:bodyPr/>
+          <a:lstStyle/>
+          <a:p>
+            <a:fld id="{9E50BA43-FF6F-4972-A3F8-F4EFD4358E5E}" type="slidenum">
+              <a:rPr lang="en-US" smtClean="0"/>
+              <a:pPr/>
+              <a:t>28</a:t>
+            </a:fld>
+            <a:endParaRPr lang="en-US" dirty="0"/>
+          </a:p>
+        </p:txBody>
+      </p:sp>
+    </p:spTree>
+    <p:extLst>
+      <p:ext uri="{BB962C8B-B14F-4D97-AF65-F5344CB8AC3E}">
+        <p14:creationId xmlns:p14="http://schemas.microsoft.com/office/powerpoint/2010/main" val="946221245"/>
+      </p:ext>
+    </p:extLst>
+  </p:cSld>
+  <p:clrMapOvr>
+    <a:masterClrMapping/>
+  </p:clrMapOvr>
+</p:notes>
+</file>
+
+<file path=ppt/notesSlides/notesSlide22.xml><?xml version="1.0" encoding="utf-8"?>
+<p:notes xmlns:a="http://schemas.openxmlformats.org/drawingml/2006/main" xmlns:r="http://schemas.openxmlformats.org/officeDocument/2006/relationships" xmlns:p="http://schemas.openxmlformats.org/presentationml/2006/main">
+  <p:cSld>
+    <p:spTree>
+      <p:nvGrpSpPr>
+        <p:cNvPr id="1" name=""/>
+        <p:cNvGrpSpPr/>
+        <p:nvPr/>
+      </p:nvGrpSpPr>
+      <p:grpSpPr>
+        <a:xfrm>
+          <a:off x="0" y="0"/>
+          <a:ext cx="0" cy="0"/>
+          <a:chOff x="0" y="0"/>
+          <a:chExt cx="0" cy="0"/>
+        </a:xfrm>
+      </p:grpSpPr>
+      <p:sp>
+        <p:nvSpPr>
+          <p:cNvPr id="2" name="Slide Image Placeholder 1"/>
+          <p:cNvSpPr>
+            <a:spLocks noGrp="1" noRot="1" noChangeAspect="1"/>
+          </p:cNvSpPr>
+          <p:nvPr>
+            <p:ph type="sldImg"/>
+          </p:nvPr>
+        </p:nvSpPr>
+        <p:spPr>
+          <a:xfrm>
+            <a:off x="1371600" y="1143000"/>
+            <a:ext cx="4114800" cy="3086100"/>
+          </a:xfrm>
+        </p:spPr>
+      </p:sp>
+      <p:sp>
+        <p:nvSpPr>
+          <p:cNvPr id="3" name="Notes Placeholder 2"/>
+          <p:cNvSpPr>
+            <a:spLocks noGrp="1"/>
+          </p:cNvSpPr>
+          <p:nvPr>
+            <p:ph type="body" idx="1"/>
+          </p:nvPr>
+        </p:nvSpPr>
+        <p:spPr/>
+        <p:txBody>
+          <a:bodyPr/>
+          <a:lstStyle/>
+          <a:p>
+            <a:endParaRPr lang="en-US" dirty="0"/>
+          </a:p>
+        </p:txBody>
+      </p:sp>
+      <p:sp>
+        <p:nvSpPr>
+          <p:cNvPr id="4" name="Slide Number Placeholder 3"/>
+          <p:cNvSpPr>
+            <a:spLocks noGrp="1"/>
+          </p:cNvSpPr>
+          <p:nvPr>
+            <p:ph type="sldNum" sz="quarter" idx="10"/>
+          </p:nvPr>
+        </p:nvSpPr>
+        <p:spPr/>
+        <p:txBody>
+          <a:bodyPr/>
+          <a:lstStyle/>
+          <a:p>
+            <a:fld id="{9E50BA43-FF6F-4972-A3F8-F4EFD4358E5E}" type="slidenum">
+              <a:rPr lang="en-US" smtClean="0"/>
+              <a:pPr/>
+              <a:t>29</a:t>
+            </a:fld>
+            <a:endParaRPr lang="en-US" dirty="0"/>
+          </a:p>
+        </p:txBody>
+      </p:sp>
+    </p:spTree>
+    <p:extLst>
+      <p:ext uri="{BB962C8B-B14F-4D97-AF65-F5344CB8AC3E}">
+        <p14:creationId xmlns:p14="http://schemas.microsoft.com/office/powerpoint/2010/main" val="332307447"/>
       </p:ext>
     </p:extLst>
   </p:cSld>
@@ -9661,6 +9934,1956 @@
 </p:sld>
 </file>
 
+<file path=ppt/slides/slide27.xml><?xml version="1.0" encoding="utf-8"?>
+<p:sld xmlns:a="http://schemas.openxmlformats.org/drawingml/2006/main" xmlns:r="http://schemas.openxmlformats.org/officeDocument/2006/relationships" xmlns:p="http://schemas.openxmlformats.org/presentationml/2006/main">
+  <p:cSld>
+    <p:spTree>
+      <p:nvGrpSpPr>
+        <p:cNvPr id="1" name=""/>
+        <p:cNvGrpSpPr/>
+        <p:nvPr/>
+      </p:nvGrpSpPr>
+      <p:grpSpPr>
+        <a:xfrm>
+          <a:off x="0" y="0"/>
+          <a:ext cx="0" cy="0"/>
+          <a:chOff x="0" y="0"/>
+          <a:chExt cx="0" cy="0"/>
+        </a:xfrm>
+      </p:grpSpPr>
+      <p:sp>
+        <p:nvSpPr>
+          <p:cNvPr id="9" name="Title 8"/>
+          <p:cNvSpPr>
+            <a:spLocks noGrp="1"/>
+          </p:cNvSpPr>
+          <p:nvPr>
+            <p:ph type="title"/>
+          </p:nvPr>
+        </p:nvSpPr>
+        <p:spPr/>
+        <p:txBody>
+          <a:bodyPr/>
+          <a:lstStyle/>
+          <a:p>
+            <a:r>
+              <a:rPr lang="en-US" dirty="0" smtClean="0"/>
+              <a:t>Graphics</a:t>
+            </a:r>
+            <a:endParaRPr lang="en-US" dirty="0"/>
+          </a:p>
+        </p:txBody>
+      </p:sp>
+      <p:sp>
+        <p:nvSpPr>
+          <p:cNvPr id="2" name="Content Placeholder 1"/>
+          <p:cNvSpPr>
+            <a:spLocks noGrp="1"/>
+          </p:cNvSpPr>
+          <p:nvPr>
+            <p:ph sz="quarter" idx="13"/>
+          </p:nvPr>
+        </p:nvSpPr>
+        <p:spPr/>
+        <p:txBody>
+          <a:bodyPr/>
+          <a:lstStyle/>
+          <a:p>
+            <a:endParaRPr lang="en-US"/>
+          </a:p>
+        </p:txBody>
+      </p:sp>
+    </p:spTree>
+    <p:extLst>
+      <p:ext uri="{BB962C8B-B14F-4D97-AF65-F5344CB8AC3E}">
+        <p14:creationId xmlns:p14="http://schemas.microsoft.com/office/powerpoint/2010/main" val="1509557551"/>
+      </p:ext>
+    </p:extLst>
+  </p:cSld>
+  <p:clrMapOvr>
+    <a:masterClrMapping/>
+  </p:clrMapOvr>
+  <mc:AlternateContent xmlns:mc="http://schemas.openxmlformats.org/markup-compatibility/2006" xmlns:p14="http://schemas.microsoft.com/office/powerpoint/2010/main">
+    <mc:Choice Requires="p14">
+      <p:transition p14:dur="0"/>
+    </mc:Choice>
+    <mc:Fallback xmlns="">
+      <p:transition/>
+    </mc:Fallback>
+  </mc:AlternateContent>
+</p:sld>
+</file>
+
+<file path=ppt/slides/slide28.xml><?xml version="1.0" encoding="utf-8"?>
+<p:sld xmlns:a="http://schemas.openxmlformats.org/drawingml/2006/main" xmlns:r="http://schemas.openxmlformats.org/officeDocument/2006/relationships" xmlns:p="http://schemas.openxmlformats.org/presentationml/2006/main">
+  <p:cSld>
+    <p:spTree>
+      <p:nvGrpSpPr>
+        <p:cNvPr id="1" name=""/>
+        <p:cNvGrpSpPr/>
+        <p:nvPr/>
+      </p:nvGrpSpPr>
+      <p:grpSpPr>
+        <a:xfrm>
+          <a:off x="0" y="0"/>
+          <a:ext cx="0" cy="0"/>
+          <a:chOff x="0" y="0"/>
+          <a:chExt cx="0" cy="0"/>
+        </a:xfrm>
+      </p:grpSpPr>
+      <p:sp>
+        <p:nvSpPr>
+          <p:cNvPr id="9" name="Title 8"/>
+          <p:cNvSpPr>
+            <a:spLocks noGrp="1"/>
+          </p:cNvSpPr>
+          <p:nvPr>
+            <p:ph type="title"/>
+          </p:nvPr>
+        </p:nvSpPr>
+        <p:spPr/>
+        <p:txBody>
+          <a:bodyPr/>
+          <a:lstStyle/>
+          <a:p>
+            <a:r>
+              <a:rPr lang="en-US" dirty="0" smtClean="0"/>
+              <a:t>Requirements</a:t>
+            </a:r>
+            <a:endParaRPr lang="en-US" dirty="0"/>
+          </a:p>
+        </p:txBody>
+      </p:sp>
+      <p:sp>
+        <p:nvSpPr>
+          <p:cNvPr id="7" name="Content Placeholder 6"/>
+          <p:cNvSpPr>
+            <a:spLocks noGrp="1"/>
+          </p:cNvSpPr>
+          <p:nvPr>
+            <p:ph idx="1"/>
+          </p:nvPr>
+        </p:nvSpPr>
+        <p:spPr>
+          <a:xfrm>
+            <a:off x="520940" y="795872"/>
+            <a:ext cx="8431137" cy="5503941"/>
+          </a:xfrm>
+        </p:spPr>
+        <p:txBody>
+          <a:bodyPr vert="horz" wrap="square" lIns="91440" tIns="91440" rIns="91440" bIns="91440" rtlCol="0" anchor="t">
+            <a:noAutofit/>
+          </a:bodyPr>
+          <a:lstStyle/>
+          <a:p>
+            <a:pPr>
+              <a:lnSpc>
+                <a:spcPct val="150000"/>
+              </a:lnSpc>
+              <a:spcBef>
+                <a:spcPts val="0"/>
+              </a:spcBef>
+              <a:spcAft>
+                <a:spcPts val="0"/>
+              </a:spcAft>
+            </a:pPr>
+            <a:r>
+              <a:rPr lang="en-US" sz="1800" dirty="0" smtClean="0"/>
+              <a:t>A Widget with 2 panes</a:t>
+            </a:r>
+          </a:p>
+          <a:p>
+            <a:pPr lvl="1">
+              <a:lnSpc>
+                <a:spcPct val="150000"/>
+              </a:lnSpc>
+              <a:spcBef>
+                <a:spcPts val="0"/>
+              </a:spcBef>
+              <a:spcAft>
+                <a:spcPts val="0"/>
+              </a:spcAft>
+            </a:pPr>
+            <a:r>
+              <a:rPr lang="en-US" sz="1600" dirty="0" smtClean="0"/>
+              <a:t>Panes Align left – Right (Side by Side) in default View</a:t>
+            </a:r>
+          </a:p>
+          <a:p>
+            <a:pPr lvl="1">
+              <a:lnSpc>
+                <a:spcPct val="150000"/>
+              </a:lnSpc>
+              <a:spcBef>
+                <a:spcPts val="0"/>
+              </a:spcBef>
+              <a:spcAft>
+                <a:spcPts val="0"/>
+              </a:spcAft>
+            </a:pPr>
+            <a:r>
+              <a:rPr lang="en-US" sz="1600" dirty="0" smtClean="0"/>
+              <a:t>Can be Top / Bottom aligned also (Optional)</a:t>
+            </a:r>
+          </a:p>
+          <a:p>
+            <a:pPr lvl="1">
+              <a:lnSpc>
+                <a:spcPct val="150000"/>
+              </a:lnSpc>
+              <a:spcBef>
+                <a:spcPts val="0"/>
+              </a:spcBef>
+              <a:spcAft>
+                <a:spcPts val="0"/>
+              </a:spcAft>
+            </a:pPr>
+            <a:r>
+              <a:rPr lang="en-US" sz="1600" dirty="0" smtClean="0"/>
+              <a:t>Expand / Collapse / Resize Options</a:t>
+            </a:r>
+          </a:p>
+          <a:p>
+            <a:pPr>
+              <a:lnSpc>
+                <a:spcPct val="150000"/>
+              </a:lnSpc>
+              <a:spcBef>
+                <a:spcPts val="0"/>
+              </a:spcBef>
+              <a:spcAft>
+                <a:spcPts val="0"/>
+              </a:spcAft>
+            </a:pPr>
+            <a:r>
+              <a:rPr lang="en-US" sz="1600" dirty="0" smtClean="0"/>
+              <a:t>Widget Contents in current scenario</a:t>
+            </a:r>
+          </a:p>
+          <a:p>
+            <a:pPr lvl="1">
+              <a:lnSpc>
+                <a:spcPct val="150000"/>
+              </a:lnSpc>
+              <a:spcBef>
+                <a:spcPts val="0"/>
+              </a:spcBef>
+              <a:spcAft>
+                <a:spcPts val="0"/>
+              </a:spcAft>
+            </a:pPr>
+            <a:r>
+              <a:rPr lang="en-US" sz="1400" dirty="0" smtClean="0"/>
+              <a:t>Left Pane is expected as a instruction area</a:t>
+            </a:r>
+          </a:p>
+          <a:p>
+            <a:pPr lvl="2">
+              <a:lnSpc>
+                <a:spcPct val="150000"/>
+              </a:lnSpc>
+              <a:spcBef>
+                <a:spcPts val="0"/>
+              </a:spcBef>
+              <a:spcAft>
+                <a:spcPts val="0"/>
+              </a:spcAft>
+            </a:pPr>
+            <a:r>
+              <a:rPr lang="en-US" sz="1200" dirty="0" smtClean="0"/>
+              <a:t>Tabular (Leonardo View)</a:t>
+            </a:r>
+          </a:p>
+          <a:p>
+            <a:pPr lvl="2">
+              <a:lnSpc>
+                <a:spcPct val="150000"/>
+              </a:lnSpc>
+              <a:spcBef>
+                <a:spcPts val="0"/>
+              </a:spcBef>
+              <a:spcAft>
+                <a:spcPts val="0"/>
+              </a:spcAft>
+            </a:pPr>
+            <a:r>
+              <a:rPr lang="en-US" sz="1200" dirty="0" smtClean="0"/>
+              <a:t>Text Editor</a:t>
+            </a:r>
+          </a:p>
+          <a:p>
+            <a:pPr>
+              <a:lnSpc>
+                <a:spcPct val="150000"/>
+              </a:lnSpc>
+              <a:spcBef>
+                <a:spcPts val="0"/>
+              </a:spcBef>
+              <a:spcAft>
+                <a:spcPts val="0"/>
+              </a:spcAft>
+            </a:pPr>
+            <a:r>
+              <a:rPr lang="en-US" sz="1600" dirty="0" smtClean="0"/>
+              <a:t>Distinguishing between Question and Instruction Area</a:t>
+            </a:r>
+          </a:p>
+          <a:p>
+            <a:pPr lvl="1">
+              <a:lnSpc>
+                <a:spcPct val="150000"/>
+              </a:lnSpc>
+              <a:spcBef>
+                <a:spcPts val="0"/>
+              </a:spcBef>
+              <a:spcAft>
+                <a:spcPts val="0"/>
+              </a:spcAft>
+            </a:pPr>
+            <a:r>
+              <a:rPr lang="en-US" sz="1400" dirty="0" smtClean="0"/>
+              <a:t>In case of Instructions in tabular format, there is a need to have a clear distinction between the instruction and question area by virtue of its appearance</a:t>
+            </a:r>
+          </a:p>
+          <a:p>
+            <a:pPr>
+              <a:lnSpc>
+                <a:spcPct val="150000"/>
+              </a:lnSpc>
+              <a:spcBef>
+                <a:spcPts val="0"/>
+              </a:spcBef>
+              <a:spcAft>
+                <a:spcPts val="0"/>
+              </a:spcAft>
+            </a:pPr>
+            <a:r>
+              <a:rPr lang="en-US" sz="1600" dirty="0" smtClean="0"/>
+              <a:t>Handling Multiple Tables in Question/ Instruction area</a:t>
+            </a:r>
+          </a:p>
+          <a:p>
+            <a:pPr lvl="1">
+              <a:lnSpc>
+                <a:spcPct val="150000"/>
+              </a:lnSpc>
+              <a:spcBef>
+                <a:spcPts val="0"/>
+              </a:spcBef>
+              <a:spcAft>
+                <a:spcPts val="0"/>
+              </a:spcAft>
+            </a:pPr>
+            <a:r>
+              <a:rPr lang="en-US" sz="1400" dirty="0" smtClean="0"/>
+              <a:t>Excel tabs OR</a:t>
+            </a:r>
+          </a:p>
+          <a:p>
+            <a:pPr lvl="1">
+              <a:lnSpc>
+                <a:spcPct val="150000"/>
+              </a:lnSpc>
+              <a:spcBef>
+                <a:spcPts val="0"/>
+              </a:spcBef>
+              <a:spcAft>
+                <a:spcPts val="0"/>
+              </a:spcAft>
+            </a:pPr>
+            <a:r>
+              <a:rPr lang="en-US" sz="1400" dirty="0" smtClean="0"/>
+              <a:t>Custom tabs OR</a:t>
+            </a:r>
+          </a:p>
+          <a:p>
+            <a:pPr lvl="1">
+              <a:lnSpc>
+                <a:spcPct val="150000"/>
+              </a:lnSpc>
+              <a:spcBef>
+                <a:spcPts val="0"/>
+              </a:spcBef>
+              <a:spcAft>
+                <a:spcPts val="0"/>
+              </a:spcAft>
+            </a:pPr>
+            <a:r>
+              <a:rPr lang="en-US" sz="1400" dirty="0" smtClean="0"/>
+              <a:t>Vertical scrolling view	</a:t>
+            </a:r>
+          </a:p>
+          <a:p>
+            <a:pPr lvl="2">
+              <a:lnSpc>
+                <a:spcPct val="150000"/>
+              </a:lnSpc>
+              <a:spcBef>
+                <a:spcPts val="0"/>
+              </a:spcBef>
+              <a:spcAft>
+                <a:spcPts val="0"/>
+              </a:spcAft>
+            </a:pPr>
+            <a:endParaRPr lang="en-US" sz="1400" dirty="0"/>
+          </a:p>
+          <a:p>
+            <a:pPr marL="0" indent="0">
+              <a:buNone/>
+            </a:pPr>
+            <a:endParaRPr lang="en-US" sz="1400" dirty="0"/>
+          </a:p>
+          <a:p>
+            <a:pPr marL="0" indent="0">
+              <a:buNone/>
+            </a:pPr>
+            <a:endParaRPr lang="en-US" sz="1600" dirty="0"/>
+          </a:p>
+          <a:p>
+            <a:pPr marL="0" indent="0">
+              <a:buNone/>
+            </a:pPr>
+            <a:r>
+              <a:rPr lang="en-US" sz="1800" dirty="0"/>
+              <a:t/>
+            </a:r>
+            <a:br>
+              <a:rPr lang="en-US" sz="1800" dirty="0"/>
+            </a:br>
+            <a:endParaRPr lang="en-US" sz="1200" dirty="0"/>
+          </a:p>
+          <a:p>
+            <a:pPr>
+              <a:spcBef>
+                <a:spcPts val="0"/>
+              </a:spcBef>
+              <a:spcAft>
+                <a:spcPts val="1200"/>
+              </a:spcAft>
+            </a:pPr>
+            <a:endParaRPr lang="en-US" sz="1600" dirty="0"/>
+          </a:p>
+          <a:p>
+            <a:pPr>
+              <a:spcBef>
+                <a:spcPts val="0"/>
+              </a:spcBef>
+              <a:spcAft>
+                <a:spcPts val="1200"/>
+              </a:spcAft>
+            </a:pPr>
+            <a:endParaRPr lang="en-US" sz="1400" dirty="0"/>
+          </a:p>
+          <a:p>
+            <a:pPr marL="0" indent="0">
+              <a:spcBef>
+                <a:spcPts val="0"/>
+              </a:spcBef>
+              <a:spcAft>
+                <a:spcPts val="1200"/>
+              </a:spcAft>
+              <a:buNone/>
+            </a:pPr>
+            <a:endParaRPr lang="en-US" sz="1600" dirty="0"/>
+          </a:p>
+        </p:txBody>
+      </p:sp>
+    </p:spTree>
+    <p:extLst>
+      <p:ext uri="{BB962C8B-B14F-4D97-AF65-F5344CB8AC3E}">
+        <p14:creationId xmlns:p14="http://schemas.microsoft.com/office/powerpoint/2010/main" val="825147212"/>
+      </p:ext>
+    </p:extLst>
+  </p:cSld>
+  <p:clrMapOvr>
+    <a:masterClrMapping/>
+  </p:clrMapOvr>
+  <mc:AlternateContent xmlns:mc="http://schemas.openxmlformats.org/markup-compatibility/2006" xmlns:p14="http://schemas.microsoft.com/office/powerpoint/2010/main">
+    <mc:Choice Requires="p14">
+      <p:transition p14:dur="10"/>
+    </mc:Choice>
+    <mc:Fallback xmlns="">
+      <p:transition/>
+    </mc:Fallback>
+  </mc:AlternateContent>
+  <p:timing>
+    <p:tnLst>
+      <p:par>
+        <p:cTn id="1" dur="indefinite" restart="never" nodeType="tmRoot">
+          <p:childTnLst>
+            <p:seq concurrent="1" nextAc="seek">
+              <p:cTn id="2" dur="indefinite" nodeType="mainSeq">
+                <p:childTnLst>
+                  <p:par>
+                    <p:cTn id="3" fill="hold">
+                      <p:stCondLst>
+                        <p:cond delay="indefinite"/>
+                      </p:stCondLst>
+                      <p:childTnLst>
+                        <p:par>
+                          <p:cTn id="4" fill="hold">
+                            <p:stCondLst>
+                              <p:cond delay="0"/>
+                            </p:stCondLst>
+                            <p:childTnLst>
+                              <p:par>
+                                <p:cTn id="5" presetID="1" presetClass="entr" presetSubtype="0" fill="hold" grpId="0" nodeType="clickEffect">
+                                  <p:stCondLst>
+                                    <p:cond delay="0"/>
+                                  </p:stCondLst>
+                                  <p:childTnLst>
+                                    <p:set>
+                                      <p:cBhvr>
+                                        <p:cTn id="6" dur="1" fill="hold">
+                                          <p:stCondLst>
+                                            <p:cond delay="0"/>
+                                          </p:stCondLst>
+                                        </p:cTn>
+                                        <p:tgtEl>
+                                          <p:spTgt spid="7">
+                                            <p:txEl>
+                                              <p:pRg st="0" end="0"/>
+                                            </p:txEl>
+                                          </p:spTgt>
+                                        </p:tgtEl>
+                                        <p:attrNameLst>
+                                          <p:attrName>style.visibility</p:attrName>
+                                        </p:attrNameLst>
+                                      </p:cBhvr>
+                                      <p:to>
+                                        <p:strVal val="visible"/>
+                                      </p:to>
+                                    </p:set>
+                                  </p:childTnLst>
+                                </p:cTn>
+                              </p:par>
+                              <p:par>
+                                <p:cTn id="7" presetID="1" presetClass="entr" presetSubtype="0" fill="hold" grpId="0" nodeType="withEffect">
+                                  <p:stCondLst>
+                                    <p:cond delay="0"/>
+                                  </p:stCondLst>
+                                  <p:childTnLst>
+                                    <p:set>
+                                      <p:cBhvr>
+                                        <p:cTn id="8" dur="1" fill="hold">
+                                          <p:stCondLst>
+                                            <p:cond delay="0"/>
+                                          </p:stCondLst>
+                                        </p:cTn>
+                                        <p:tgtEl>
+                                          <p:spTgt spid="7">
+                                            <p:txEl>
+                                              <p:pRg st="1" end="1"/>
+                                            </p:txEl>
+                                          </p:spTgt>
+                                        </p:tgtEl>
+                                        <p:attrNameLst>
+                                          <p:attrName>style.visibility</p:attrName>
+                                        </p:attrNameLst>
+                                      </p:cBhvr>
+                                      <p:to>
+                                        <p:strVal val="visible"/>
+                                      </p:to>
+                                    </p:set>
+                                  </p:childTnLst>
+                                </p:cTn>
+                              </p:par>
+                              <p:par>
+                                <p:cTn id="9" presetID="1" presetClass="entr" presetSubtype="0" fill="hold" grpId="0" nodeType="withEffect">
+                                  <p:stCondLst>
+                                    <p:cond delay="0"/>
+                                  </p:stCondLst>
+                                  <p:childTnLst>
+                                    <p:set>
+                                      <p:cBhvr>
+                                        <p:cTn id="10" dur="1" fill="hold">
+                                          <p:stCondLst>
+                                            <p:cond delay="0"/>
+                                          </p:stCondLst>
+                                        </p:cTn>
+                                        <p:tgtEl>
+                                          <p:spTgt spid="7">
+                                            <p:txEl>
+                                              <p:pRg st="2" end="2"/>
+                                            </p:txEl>
+                                          </p:spTgt>
+                                        </p:tgtEl>
+                                        <p:attrNameLst>
+                                          <p:attrName>style.visibility</p:attrName>
+                                        </p:attrNameLst>
+                                      </p:cBhvr>
+                                      <p:to>
+                                        <p:strVal val="visible"/>
+                                      </p:to>
+                                    </p:set>
+                                  </p:childTnLst>
+                                </p:cTn>
+                              </p:par>
+                              <p:par>
+                                <p:cTn id="11" presetID="1" presetClass="entr" presetSubtype="0" fill="hold" grpId="0" nodeType="withEffect">
+                                  <p:stCondLst>
+                                    <p:cond delay="0"/>
+                                  </p:stCondLst>
+                                  <p:childTnLst>
+                                    <p:set>
+                                      <p:cBhvr>
+                                        <p:cTn id="12" dur="1" fill="hold">
+                                          <p:stCondLst>
+                                            <p:cond delay="0"/>
+                                          </p:stCondLst>
+                                        </p:cTn>
+                                        <p:tgtEl>
+                                          <p:spTgt spid="7">
+                                            <p:txEl>
+                                              <p:pRg st="3" end="3"/>
+                                            </p:txEl>
+                                          </p:spTgt>
+                                        </p:tgtEl>
+                                        <p:attrNameLst>
+                                          <p:attrName>style.visibility</p:attrName>
+                                        </p:attrNameLst>
+                                      </p:cBhvr>
+                                      <p:to>
+                                        <p:strVal val="visible"/>
+                                      </p:to>
+                                    </p:set>
+                                  </p:childTnLst>
+                                </p:cTn>
+                              </p:par>
+                            </p:childTnLst>
+                          </p:cTn>
+                        </p:par>
+                      </p:childTnLst>
+                    </p:cTn>
+                  </p:par>
+                  <p:par>
+                    <p:cTn id="13" fill="hold">
+                      <p:stCondLst>
+                        <p:cond delay="indefinite"/>
+                      </p:stCondLst>
+                      <p:childTnLst>
+                        <p:par>
+                          <p:cTn id="14" fill="hold">
+                            <p:stCondLst>
+                              <p:cond delay="0"/>
+                            </p:stCondLst>
+                            <p:childTnLst>
+                              <p:par>
+                                <p:cTn id="15" presetID="1" presetClass="entr" presetSubtype="0" fill="hold" grpId="0" nodeType="clickEffect">
+                                  <p:stCondLst>
+                                    <p:cond delay="0"/>
+                                  </p:stCondLst>
+                                  <p:childTnLst>
+                                    <p:set>
+                                      <p:cBhvr>
+                                        <p:cTn id="16" dur="1" fill="hold">
+                                          <p:stCondLst>
+                                            <p:cond delay="0"/>
+                                          </p:stCondLst>
+                                        </p:cTn>
+                                        <p:tgtEl>
+                                          <p:spTgt spid="7">
+                                            <p:txEl>
+                                              <p:pRg st="4" end="4"/>
+                                            </p:txEl>
+                                          </p:spTgt>
+                                        </p:tgtEl>
+                                        <p:attrNameLst>
+                                          <p:attrName>style.visibility</p:attrName>
+                                        </p:attrNameLst>
+                                      </p:cBhvr>
+                                      <p:to>
+                                        <p:strVal val="visible"/>
+                                      </p:to>
+                                    </p:set>
+                                  </p:childTnLst>
+                                </p:cTn>
+                              </p:par>
+                              <p:par>
+                                <p:cTn id="17" presetID="1" presetClass="entr" presetSubtype="0" fill="hold" grpId="0" nodeType="withEffect">
+                                  <p:stCondLst>
+                                    <p:cond delay="0"/>
+                                  </p:stCondLst>
+                                  <p:childTnLst>
+                                    <p:set>
+                                      <p:cBhvr>
+                                        <p:cTn id="18" dur="1" fill="hold">
+                                          <p:stCondLst>
+                                            <p:cond delay="0"/>
+                                          </p:stCondLst>
+                                        </p:cTn>
+                                        <p:tgtEl>
+                                          <p:spTgt spid="7">
+                                            <p:txEl>
+                                              <p:pRg st="5" end="5"/>
+                                            </p:txEl>
+                                          </p:spTgt>
+                                        </p:tgtEl>
+                                        <p:attrNameLst>
+                                          <p:attrName>style.visibility</p:attrName>
+                                        </p:attrNameLst>
+                                      </p:cBhvr>
+                                      <p:to>
+                                        <p:strVal val="visible"/>
+                                      </p:to>
+                                    </p:set>
+                                  </p:childTnLst>
+                                </p:cTn>
+                              </p:par>
+                              <p:par>
+                                <p:cTn id="19" presetID="1" presetClass="entr" presetSubtype="0" fill="hold" grpId="0" nodeType="withEffect">
+                                  <p:stCondLst>
+                                    <p:cond delay="0"/>
+                                  </p:stCondLst>
+                                  <p:childTnLst>
+                                    <p:set>
+                                      <p:cBhvr>
+                                        <p:cTn id="20" dur="1" fill="hold">
+                                          <p:stCondLst>
+                                            <p:cond delay="0"/>
+                                          </p:stCondLst>
+                                        </p:cTn>
+                                        <p:tgtEl>
+                                          <p:spTgt spid="7">
+                                            <p:txEl>
+                                              <p:pRg st="6" end="6"/>
+                                            </p:txEl>
+                                          </p:spTgt>
+                                        </p:tgtEl>
+                                        <p:attrNameLst>
+                                          <p:attrName>style.visibility</p:attrName>
+                                        </p:attrNameLst>
+                                      </p:cBhvr>
+                                      <p:to>
+                                        <p:strVal val="visible"/>
+                                      </p:to>
+                                    </p:set>
+                                  </p:childTnLst>
+                                </p:cTn>
+                              </p:par>
+                              <p:par>
+                                <p:cTn id="21" presetID="1" presetClass="entr" presetSubtype="0" fill="hold" grpId="0" nodeType="withEffect">
+                                  <p:stCondLst>
+                                    <p:cond delay="0"/>
+                                  </p:stCondLst>
+                                  <p:childTnLst>
+                                    <p:set>
+                                      <p:cBhvr>
+                                        <p:cTn id="22" dur="1" fill="hold">
+                                          <p:stCondLst>
+                                            <p:cond delay="0"/>
+                                          </p:stCondLst>
+                                        </p:cTn>
+                                        <p:tgtEl>
+                                          <p:spTgt spid="7">
+                                            <p:txEl>
+                                              <p:pRg st="7" end="7"/>
+                                            </p:txEl>
+                                          </p:spTgt>
+                                        </p:tgtEl>
+                                        <p:attrNameLst>
+                                          <p:attrName>style.visibility</p:attrName>
+                                        </p:attrNameLst>
+                                      </p:cBhvr>
+                                      <p:to>
+                                        <p:strVal val="visible"/>
+                                      </p:to>
+                                    </p:set>
+                                  </p:childTnLst>
+                                </p:cTn>
+                              </p:par>
+                            </p:childTnLst>
+                          </p:cTn>
+                        </p:par>
+                      </p:childTnLst>
+                    </p:cTn>
+                  </p:par>
+                  <p:par>
+                    <p:cTn id="23" fill="hold">
+                      <p:stCondLst>
+                        <p:cond delay="indefinite"/>
+                      </p:stCondLst>
+                      <p:childTnLst>
+                        <p:par>
+                          <p:cTn id="24" fill="hold">
+                            <p:stCondLst>
+                              <p:cond delay="0"/>
+                            </p:stCondLst>
+                            <p:childTnLst>
+                              <p:par>
+                                <p:cTn id="25" presetID="1" presetClass="entr" presetSubtype="0" fill="hold" grpId="0" nodeType="clickEffect">
+                                  <p:stCondLst>
+                                    <p:cond delay="0"/>
+                                  </p:stCondLst>
+                                  <p:childTnLst>
+                                    <p:set>
+                                      <p:cBhvr>
+                                        <p:cTn id="26" dur="1" fill="hold">
+                                          <p:stCondLst>
+                                            <p:cond delay="0"/>
+                                          </p:stCondLst>
+                                        </p:cTn>
+                                        <p:tgtEl>
+                                          <p:spTgt spid="7">
+                                            <p:txEl>
+                                              <p:pRg st="8" end="8"/>
+                                            </p:txEl>
+                                          </p:spTgt>
+                                        </p:tgtEl>
+                                        <p:attrNameLst>
+                                          <p:attrName>style.visibility</p:attrName>
+                                        </p:attrNameLst>
+                                      </p:cBhvr>
+                                      <p:to>
+                                        <p:strVal val="visible"/>
+                                      </p:to>
+                                    </p:set>
+                                  </p:childTnLst>
+                                </p:cTn>
+                              </p:par>
+                              <p:par>
+                                <p:cTn id="27" presetID="1" presetClass="entr" presetSubtype="0" fill="hold" grpId="0" nodeType="withEffect">
+                                  <p:stCondLst>
+                                    <p:cond delay="0"/>
+                                  </p:stCondLst>
+                                  <p:childTnLst>
+                                    <p:set>
+                                      <p:cBhvr>
+                                        <p:cTn id="28" dur="1" fill="hold">
+                                          <p:stCondLst>
+                                            <p:cond delay="0"/>
+                                          </p:stCondLst>
+                                        </p:cTn>
+                                        <p:tgtEl>
+                                          <p:spTgt spid="7">
+                                            <p:txEl>
+                                              <p:pRg st="9" end="9"/>
+                                            </p:txEl>
+                                          </p:spTgt>
+                                        </p:tgtEl>
+                                        <p:attrNameLst>
+                                          <p:attrName>style.visibility</p:attrName>
+                                        </p:attrNameLst>
+                                      </p:cBhvr>
+                                      <p:to>
+                                        <p:strVal val="visible"/>
+                                      </p:to>
+                                    </p:set>
+                                  </p:childTnLst>
+                                </p:cTn>
+                              </p:par>
+                            </p:childTnLst>
+                          </p:cTn>
+                        </p:par>
+                      </p:childTnLst>
+                    </p:cTn>
+                  </p:par>
+                  <p:par>
+                    <p:cTn id="29" fill="hold">
+                      <p:stCondLst>
+                        <p:cond delay="indefinite"/>
+                      </p:stCondLst>
+                      <p:childTnLst>
+                        <p:par>
+                          <p:cTn id="30" fill="hold">
+                            <p:stCondLst>
+                              <p:cond delay="0"/>
+                            </p:stCondLst>
+                            <p:childTnLst>
+                              <p:par>
+                                <p:cTn id="31" presetID="1" presetClass="entr" presetSubtype="0" fill="hold" grpId="0" nodeType="clickEffect">
+                                  <p:stCondLst>
+                                    <p:cond delay="0"/>
+                                  </p:stCondLst>
+                                  <p:childTnLst>
+                                    <p:set>
+                                      <p:cBhvr>
+                                        <p:cTn id="32" dur="1" fill="hold">
+                                          <p:stCondLst>
+                                            <p:cond delay="0"/>
+                                          </p:stCondLst>
+                                        </p:cTn>
+                                        <p:tgtEl>
+                                          <p:spTgt spid="7">
+                                            <p:txEl>
+                                              <p:pRg st="10" end="10"/>
+                                            </p:txEl>
+                                          </p:spTgt>
+                                        </p:tgtEl>
+                                        <p:attrNameLst>
+                                          <p:attrName>style.visibility</p:attrName>
+                                        </p:attrNameLst>
+                                      </p:cBhvr>
+                                      <p:to>
+                                        <p:strVal val="visible"/>
+                                      </p:to>
+                                    </p:set>
+                                  </p:childTnLst>
+                                </p:cTn>
+                              </p:par>
+                              <p:par>
+                                <p:cTn id="33" presetID="1" presetClass="entr" presetSubtype="0" fill="hold" grpId="0" nodeType="withEffect">
+                                  <p:stCondLst>
+                                    <p:cond delay="0"/>
+                                  </p:stCondLst>
+                                  <p:childTnLst>
+                                    <p:set>
+                                      <p:cBhvr>
+                                        <p:cTn id="34" dur="1" fill="hold">
+                                          <p:stCondLst>
+                                            <p:cond delay="0"/>
+                                          </p:stCondLst>
+                                        </p:cTn>
+                                        <p:tgtEl>
+                                          <p:spTgt spid="7">
+                                            <p:txEl>
+                                              <p:pRg st="11" end="11"/>
+                                            </p:txEl>
+                                          </p:spTgt>
+                                        </p:tgtEl>
+                                        <p:attrNameLst>
+                                          <p:attrName>style.visibility</p:attrName>
+                                        </p:attrNameLst>
+                                      </p:cBhvr>
+                                      <p:to>
+                                        <p:strVal val="visible"/>
+                                      </p:to>
+                                    </p:set>
+                                  </p:childTnLst>
+                                </p:cTn>
+                              </p:par>
+                              <p:par>
+                                <p:cTn id="35" presetID="1" presetClass="entr" presetSubtype="0" fill="hold" grpId="0" nodeType="withEffect">
+                                  <p:stCondLst>
+                                    <p:cond delay="0"/>
+                                  </p:stCondLst>
+                                  <p:childTnLst>
+                                    <p:set>
+                                      <p:cBhvr>
+                                        <p:cTn id="36" dur="1" fill="hold">
+                                          <p:stCondLst>
+                                            <p:cond delay="0"/>
+                                          </p:stCondLst>
+                                        </p:cTn>
+                                        <p:tgtEl>
+                                          <p:spTgt spid="7">
+                                            <p:txEl>
+                                              <p:pRg st="12" end="12"/>
+                                            </p:txEl>
+                                          </p:spTgt>
+                                        </p:tgtEl>
+                                        <p:attrNameLst>
+                                          <p:attrName>style.visibility</p:attrName>
+                                        </p:attrNameLst>
+                                      </p:cBhvr>
+                                      <p:to>
+                                        <p:strVal val="visible"/>
+                                      </p:to>
+                                    </p:set>
+                                  </p:childTnLst>
+                                </p:cTn>
+                              </p:par>
+                              <p:par>
+                                <p:cTn id="37" presetID="1" presetClass="entr" presetSubtype="0" fill="hold" grpId="0" nodeType="withEffect">
+                                  <p:stCondLst>
+                                    <p:cond delay="0"/>
+                                  </p:stCondLst>
+                                  <p:childTnLst>
+                                    <p:set>
+                                      <p:cBhvr>
+                                        <p:cTn id="38" dur="1" fill="hold">
+                                          <p:stCondLst>
+                                            <p:cond delay="0"/>
+                                          </p:stCondLst>
+                                        </p:cTn>
+                                        <p:tgtEl>
+                                          <p:spTgt spid="7">
+                                            <p:txEl>
+                                              <p:pRg st="13" end="13"/>
+                                            </p:txEl>
+                                          </p:spTgt>
+                                        </p:tgtEl>
+                                        <p:attrNameLst>
+                                          <p:attrName>style.visibility</p:attrName>
+                                        </p:attrNameLst>
+                                      </p:cBhvr>
+                                      <p:to>
+                                        <p:strVal val="visible"/>
+                                      </p:to>
+                                    </p:set>
+                                  </p:childTnLst>
+                                </p:cTn>
+                              </p:par>
+                              <p:par>
+                                <p:cTn id="39" presetID="1" presetClass="entr" presetSubtype="0" fill="hold" grpId="0" nodeType="withEffect">
+                                  <p:stCondLst>
+                                    <p:cond delay="0"/>
+                                  </p:stCondLst>
+                                  <p:childTnLst>
+                                    <p:set>
+                                      <p:cBhvr>
+                                        <p:cTn id="40" dur="1" fill="hold">
+                                          <p:stCondLst>
+                                            <p:cond delay="0"/>
+                                          </p:stCondLst>
+                                        </p:cTn>
+                                        <p:tgtEl>
+                                          <p:spTgt spid="7">
+                                            <p:txEl>
+                                              <p:pRg st="17" end="17"/>
+                                            </p:txEl>
+                                          </p:spTgt>
+                                        </p:tgtEl>
+                                        <p:attrNameLst>
+                                          <p:attrName>style.visibility</p:attrName>
+                                        </p:attrNameLst>
+                                      </p:cBhvr>
+                                      <p:to>
+                                        <p:strVal val="visible"/>
+                                      </p:to>
+                                    </p:set>
+                                  </p:childTnLst>
+                                </p:cTn>
+                              </p:par>
+                            </p:childTnLst>
+                          </p:cTn>
+                        </p:par>
+                      </p:childTnLst>
+                    </p:cTn>
+                  </p:par>
+                </p:childTnLst>
+              </p:cTn>
+              <p:prevCondLst>
+                <p:cond evt="onPrev" delay="0">
+                  <p:tgtEl>
+                    <p:sldTgt/>
+                  </p:tgtEl>
+                </p:cond>
+              </p:prevCondLst>
+              <p:nextCondLst>
+                <p:cond evt="onNext" delay="0">
+                  <p:tgtEl>
+                    <p:sldTgt/>
+                  </p:tgtEl>
+                </p:cond>
+              </p:nextCondLst>
+            </p:seq>
+          </p:childTnLst>
+        </p:cTn>
+      </p:par>
+    </p:tnLst>
+    <p:bldLst>
+      <p:bldP spid="7" grpId="0" uiExpand="1" build="p"/>
+    </p:bldLst>
+  </p:timing>
+</p:sld>
+</file>
+
+<file path=ppt/slides/slide29.xml><?xml version="1.0" encoding="utf-8"?>
+<p:sld xmlns:a="http://schemas.openxmlformats.org/drawingml/2006/main" xmlns:r="http://schemas.openxmlformats.org/officeDocument/2006/relationships" xmlns:p="http://schemas.openxmlformats.org/presentationml/2006/main">
+  <p:cSld>
+    <p:spTree>
+      <p:nvGrpSpPr>
+        <p:cNvPr id="1" name=""/>
+        <p:cNvGrpSpPr/>
+        <p:nvPr/>
+      </p:nvGrpSpPr>
+      <p:grpSpPr>
+        <a:xfrm>
+          <a:off x="0" y="0"/>
+          <a:ext cx="0" cy="0"/>
+          <a:chOff x="0" y="0"/>
+          <a:chExt cx="0" cy="0"/>
+        </a:xfrm>
+      </p:grpSpPr>
+      <p:sp>
+        <p:nvSpPr>
+          <p:cNvPr id="9" name="Title 8"/>
+          <p:cNvSpPr>
+            <a:spLocks noGrp="1"/>
+          </p:cNvSpPr>
+          <p:nvPr>
+            <p:ph type="title"/>
+          </p:nvPr>
+        </p:nvSpPr>
+        <p:spPr/>
+        <p:txBody>
+          <a:bodyPr/>
+          <a:lstStyle/>
+          <a:p>
+            <a:r>
+              <a:rPr lang="en-US" dirty="0" smtClean="0"/>
+              <a:t>Requirements</a:t>
+            </a:r>
+            <a:endParaRPr lang="en-US" dirty="0"/>
+          </a:p>
+        </p:txBody>
+      </p:sp>
+      <p:sp>
+        <p:nvSpPr>
+          <p:cNvPr id="7" name="Content Placeholder 6"/>
+          <p:cNvSpPr>
+            <a:spLocks noGrp="1"/>
+          </p:cNvSpPr>
+          <p:nvPr>
+            <p:ph idx="1"/>
+          </p:nvPr>
+        </p:nvSpPr>
+        <p:spPr>
+          <a:xfrm>
+            <a:off x="520940" y="795872"/>
+            <a:ext cx="8431137" cy="5503941"/>
+          </a:xfrm>
+        </p:spPr>
+        <p:txBody>
+          <a:bodyPr vert="horz" wrap="square" lIns="91440" tIns="91440" rIns="91440" bIns="91440" rtlCol="0" anchor="t">
+            <a:noAutofit/>
+          </a:bodyPr>
+          <a:lstStyle/>
+          <a:p>
+            <a:pPr>
+              <a:lnSpc>
+                <a:spcPct val="150000"/>
+              </a:lnSpc>
+              <a:spcBef>
+                <a:spcPts val="0"/>
+              </a:spcBef>
+              <a:spcAft>
+                <a:spcPts val="0"/>
+              </a:spcAft>
+            </a:pPr>
+            <a:r>
+              <a:rPr lang="en-US" sz="1600" dirty="0" smtClean="0"/>
+              <a:t>Toolbar / Buttons</a:t>
+            </a:r>
+          </a:p>
+          <a:p>
+            <a:pPr lvl="1">
+              <a:lnSpc>
+                <a:spcPct val="150000"/>
+              </a:lnSpc>
+              <a:spcBef>
+                <a:spcPts val="0"/>
+              </a:spcBef>
+              <a:spcAft>
+                <a:spcPts val="0"/>
+              </a:spcAft>
+            </a:pPr>
+            <a:r>
+              <a:rPr lang="en-US" sz="1400" dirty="0" smtClean="0"/>
+              <a:t>Can be a separate toolbar as a part of the player</a:t>
+            </a:r>
+            <a:endParaRPr lang="en-US" sz="1400" dirty="0" smtClean="0"/>
+          </a:p>
+          <a:p>
+            <a:pPr lvl="2">
+              <a:lnSpc>
+                <a:spcPct val="150000"/>
+              </a:lnSpc>
+              <a:spcBef>
+                <a:spcPts val="0"/>
+              </a:spcBef>
+              <a:spcAft>
+                <a:spcPts val="0"/>
+              </a:spcAft>
+            </a:pPr>
+            <a:r>
+              <a:rPr lang="en-US" sz="1200" dirty="0" smtClean="0"/>
+              <a:t>Full Screen/ Minimize</a:t>
+            </a:r>
+          </a:p>
+          <a:p>
+            <a:pPr lvl="2">
+              <a:lnSpc>
+                <a:spcPct val="150000"/>
+              </a:lnSpc>
+              <a:spcBef>
+                <a:spcPts val="0"/>
+              </a:spcBef>
+              <a:spcAft>
+                <a:spcPts val="0"/>
+              </a:spcAft>
+            </a:pPr>
+            <a:r>
+              <a:rPr lang="en-US" sz="1200" dirty="0" smtClean="0"/>
+              <a:t>Hint</a:t>
+            </a:r>
+          </a:p>
+          <a:p>
+            <a:pPr lvl="2">
+              <a:lnSpc>
+                <a:spcPct val="150000"/>
+              </a:lnSpc>
+              <a:spcBef>
+                <a:spcPts val="0"/>
+              </a:spcBef>
+              <a:spcAft>
+                <a:spcPts val="0"/>
+              </a:spcAft>
+            </a:pPr>
+            <a:r>
+              <a:rPr lang="en-US" sz="1200" dirty="0" smtClean="0"/>
+              <a:t>Reset</a:t>
+            </a:r>
+          </a:p>
+          <a:p>
+            <a:pPr lvl="2">
+              <a:lnSpc>
+                <a:spcPct val="150000"/>
+              </a:lnSpc>
+              <a:spcBef>
+                <a:spcPts val="0"/>
+              </a:spcBef>
+              <a:spcAft>
+                <a:spcPts val="0"/>
+              </a:spcAft>
+            </a:pPr>
+            <a:r>
+              <a:rPr lang="en-US" sz="1200" dirty="0" smtClean="0"/>
+              <a:t>Submit</a:t>
+            </a:r>
+            <a:endParaRPr lang="en-US" sz="1200" dirty="0" smtClean="0"/>
+          </a:p>
+          <a:p>
+            <a:pPr lvl="2">
+              <a:lnSpc>
+                <a:spcPct val="150000"/>
+              </a:lnSpc>
+              <a:spcBef>
+                <a:spcPts val="0"/>
+              </a:spcBef>
+              <a:spcAft>
+                <a:spcPts val="0"/>
+              </a:spcAft>
+            </a:pPr>
+            <a:r>
+              <a:rPr lang="en-US" sz="1200" dirty="0" smtClean="0"/>
+              <a:t>Export/ Import (Optional)</a:t>
+            </a:r>
+            <a:endParaRPr lang="en-US" sz="1200" dirty="0"/>
+          </a:p>
+          <a:p>
+            <a:pPr lvl="1">
+              <a:lnSpc>
+                <a:spcPct val="150000"/>
+              </a:lnSpc>
+              <a:spcBef>
+                <a:spcPts val="0"/>
+              </a:spcBef>
+              <a:spcAft>
+                <a:spcPts val="0"/>
+              </a:spcAft>
+            </a:pPr>
+            <a:r>
+              <a:rPr lang="en-US" sz="1400" dirty="0"/>
+              <a:t>Part of Experience </a:t>
+            </a:r>
+            <a:r>
+              <a:rPr lang="en-US" sz="1400" dirty="0" smtClean="0"/>
+              <a:t>APP</a:t>
+            </a:r>
+          </a:p>
+          <a:p>
+            <a:pPr>
+              <a:lnSpc>
+                <a:spcPct val="150000"/>
+              </a:lnSpc>
+              <a:spcBef>
+                <a:spcPts val="0"/>
+              </a:spcBef>
+              <a:spcAft>
+                <a:spcPts val="0"/>
+              </a:spcAft>
+            </a:pPr>
+            <a:r>
+              <a:rPr lang="en-US" sz="1600" dirty="0" smtClean="0"/>
+              <a:t>Zoomed View</a:t>
+            </a:r>
+          </a:p>
+          <a:p>
+            <a:pPr lvl="1">
+              <a:lnSpc>
+                <a:spcPct val="150000"/>
+              </a:lnSpc>
+              <a:spcBef>
+                <a:spcPts val="0"/>
+              </a:spcBef>
+              <a:spcAft>
+                <a:spcPts val="0"/>
+              </a:spcAft>
+            </a:pPr>
+            <a:r>
+              <a:rPr lang="en-US" sz="1400" dirty="0" smtClean="0"/>
+              <a:t>UI to be decided</a:t>
+            </a:r>
+          </a:p>
+          <a:p>
+            <a:pPr lvl="1">
+              <a:lnSpc>
+                <a:spcPct val="150000"/>
+              </a:lnSpc>
+              <a:spcBef>
+                <a:spcPts val="0"/>
+              </a:spcBef>
+              <a:spcAft>
+                <a:spcPts val="0"/>
+              </a:spcAft>
+            </a:pPr>
+            <a:r>
+              <a:rPr lang="en-US" sz="1400" dirty="0" smtClean="0"/>
+              <a:t>What contents will be displayed so as to have maximum work area?</a:t>
+            </a:r>
+            <a:endParaRPr lang="en-US" sz="1400" dirty="0"/>
+          </a:p>
+          <a:p>
+            <a:pPr marL="0" indent="0">
+              <a:buNone/>
+            </a:pPr>
+            <a:endParaRPr lang="en-US" sz="1400" dirty="0" smtClean="0"/>
+          </a:p>
+          <a:p>
+            <a:pPr>
+              <a:lnSpc>
+                <a:spcPct val="150000"/>
+              </a:lnSpc>
+              <a:spcBef>
+                <a:spcPts val="0"/>
+              </a:spcBef>
+              <a:spcAft>
+                <a:spcPts val="0"/>
+              </a:spcAft>
+            </a:pPr>
+            <a:r>
+              <a:rPr lang="en-US" sz="1600" dirty="0" smtClean="0"/>
+              <a:t>Navigation Restrictions</a:t>
+            </a:r>
+            <a:endParaRPr lang="en-US" sz="1600" dirty="0"/>
+          </a:p>
+          <a:p>
+            <a:pPr lvl="1">
+              <a:lnSpc>
+                <a:spcPct val="150000"/>
+              </a:lnSpc>
+              <a:spcBef>
+                <a:spcPts val="0"/>
+              </a:spcBef>
+              <a:spcAft>
+                <a:spcPts val="0"/>
+              </a:spcAft>
+            </a:pPr>
+            <a:r>
+              <a:rPr lang="en-US" sz="1400" dirty="0" smtClean="0"/>
+              <a:t>Lock </a:t>
+            </a:r>
+            <a:r>
+              <a:rPr lang="en-US" sz="1400" smtClean="0"/>
+              <a:t>next section</a:t>
+            </a:r>
+            <a:endParaRPr lang="en-US" sz="1400" dirty="0"/>
+          </a:p>
+          <a:p>
+            <a:pPr marL="0" indent="0">
+              <a:buNone/>
+            </a:pPr>
+            <a:endParaRPr lang="en-US" sz="1400" dirty="0"/>
+          </a:p>
+          <a:p>
+            <a:pPr marL="0" indent="0">
+              <a:buNone/>
+            </a:pPr>
+            <a:endParaRPr lang="en-US" sz="1600" dirty="0"/>
+          </a:p>
+          <a:p>
+            <a:pPr marL="0" indent="0">
+              <a:buNone/>
+            </a:pPr>
+            <a:r>
+              <a:rPr lang="en-US" sz="1800" dirty="0"/>
+              <a:t/>
+            </a:r>
+            <a:br>
+              <a:rPr lang="en-US" sz="1800" dirty="0"/>
+            </a:br>
+            <a:endParaRPr lang="en-US" sz="1200" dirty="0"/>
+          </a:p>
+          <a:p>
+            <a:pPr>
+              <a:spcBef>
+                <a:spcPts val="0"/>
+              </a:spcBef>
+              <a:spcAft>
+                <a:spcPts val="1200"/>
+              </a:spcAft>
+            </a:pPr>
+            <a:endParaRPr lang="en-US" sz="1600" dirty="0"/>
+          </a:p>
+          <a:p>
+            <a:pPr>
+              <a:spcBef>
+                <a:spcPts val="0"/>
+              </a:spcBef>
+              <a:spcAft>
+                <a:spcPts val="1200"/>
+              </a:spcAft>
+            </a:pPr>
+            <a:endParaRPr lang="en-US" sz="1400" dirty="0"/>
+          </a:p>
+          <a:p>
+            <a:pPr marL="0" indent="0">
+              <a:spcBef>
+                <a:spcPts val="0"/>
+              </a:spcBef>
+              <a:spcAft>
+                <a:spcPts val="1200"/>
+              </a:spcAft>
+              <a:buNone/>
+            </a:pPr>
+            <a:endParaRPr lang="en-US" sz="1600" dirty="0"/>
+          </a:p>
+        </p:txBody>
+      </p:sp>
+    </p:spTree>
+    <p:extLst>
+      <p:ext uri="{BB962C8B-B14F-4D97-AF65-F5344CB8AC3E}">
+        <p14:creationId xmlns:p14="http://schemas.microsoft.com/office/powerpoint/2010/main" val="4191920408"/>
+      </p:ext>
+    </p:extLst>
+  </p:cSld>
+  <p:clrMapOvr>
+    <a:masterClrMapping/>
+  </p:clrMapOvr>
+  <mc:AlternateContent xmlns:mc="http://schemas.openxmlformats.org/markup-compatibility/2006" xmlns:p14="http://schemas.microsoft.com/office/powerpoint/2010/main">
+    <mc:Choice Requires="p14">
+      <p:transition p14:dur="10"/>
+    </mc:Choice>
+    <mc:Fallback xmlns="">
+      <p:transition/>
+    </mc:Fallback>
+  </mc:AlternateContent>
+  <p:timing>
+    <p:tnLst>
+      <p:par>
+        <p:cTn id="1" dur="indefinite" restart="never" nodeType="tmRoot">
+          <p:childTnLst>
+            <p:seq concurrent="1" nextAc="seek">
+              <p:cTn id="2" dur="indefinite" nodeType="mainSeq">
+                <p:childTnLst>
+                  <p:par>
+                    <p:cTn id="3" fill="hold">
+                      <p:stCondLst>
+                        <p:cond delay="indefinite"/>
+                      </p:stCondLst>
+                      <p:childTnLst>
+                        <p:par>
+                          <p:cTn id="4" fill="hold">
+                            <p:stCondLst>
+                              <p:cond delay="0"/>
+                            </p:stCondLst>
+                            <p:childTnLst>
+                              <p:par>
+                                <p:cTn id="5" presetID="1" presetClass="entr" presetSubtype="0" fill="hold" grpId="0" nodeType="clickEffect">
+                                  <p:stCondLst>
+                                    <p:cond delay="0"/>
+                                  </p:stCondLst>
+                                  <p:childTnLst>
+                                    <p:set>
+                                      <p:cBhvr>
+                                        <p:cTn id="6" dur="1" fill="hold">
+                                          <p:stCondLst>
+                                            <p:cond delay="0"/>
+                                          </p:stCondLst>
+                                        </p:cTn>
+                                        <p:tgtEl>
+                                          <p:spTgt spid="7">
+                                            <p:txEl>
+                                              <p:pRg st="0" end="0"/>
+                                            </p:txEl>
+                                          </p:spTgt>
+                                        </p:tgtEl>
+                                        <p:attrNameLst>
+                                          <p:attrName>style.visibility</p:attrName>
+                                        </p:attrNameLst>
+                                      </p:cBhvr>
+                                      <p:to>
+                                        <p:strVal val="visible"/>
+                                      </p:to>
+                                    </p:set>
+                                  </p:childTnLst>
+                                </p:cTn>
+                              </p:par>
+                              <p:par>
+                                <p:cTn id="7" presetID="1" presetClass="entr" presetSubtype="0" fill="hold" grpId="0" nodeType="withEffect">
+                                  <p:stCondLst>
+                                    <p:cond delay="0"/>
+                                  </p:stCondLst>
+                                  <p:childTnLst>
+                                    <p:set>
+                                      <p:cBhvr>
+                                        <p:cTn id="8" dur="1" fill="hold">
+                                          <p:stCondLst>
+                                            <p:cond delay="0"/>
+                                          </p:stCondLst>
+                                        </p:cTn>
+                                        <p:tgtEl>
+                                          <p:spTgt spid="7">
+                                            <p:txEl>
+                                              <p:pRg st="1" end="1"/>
+                                            </p:txEl>
+                                          </p:spTgt>
+                                        </p:tgtEl>
+                                        <p:attrNameLst>
+                                          <p:attrName>style.visibility</p:attrName>
+                                        </p:attrNameLst>
+                                      </p:cBhvr>
+                                      <p:to>
+                                        <p:strVal val="visible"/>
+                                      </p:to>
+                                    </p:set>
+                                  </p:childTnLst>
+                                </p:cTn>
+                              </p:par>
+                              <p:par>
+                                <p:cTn id="9" presetID="1" presetClass="entr" presetSubtype="0" fill="hold" grpId="0" nodeType="withEffect">
+                                  <p:stCondLst>
+                                    <p:cond delay="0"/>
+                                  </p:stCondLst>
+                                  <p:childTnLst>
+                                    <p:set>
+                                      <p:cBhvr>
+                                        <p:cTn id="10" dur="1" fill="hold">
+                                          <p:stCondLst>
+                                            <p:cond delay="0"/>
+                                          </p:stCondLst>
+                                        </p:cTn>
+                                        <p:tgtEl>
+                                          <p:spTgt spid="7">
+                                            <p:txEl>
+                                              <p:pRg st="2" end="2"/>
+                                            </p:txEl>
+                                          </p:spTgt>
+                                        </p:tgtEl>
+                                        <p:attrNameLst>
+                                          <p:attrName>style.visibility</p:attrName>
+                                        </p:attrNameLst>
+                                      </p:cBhvr>
+                                      <p:to>
+                                        <p:strVal val="visible"/>
+                                      </p:to>
+                                    </p:set>
+                                  </p:childTnLst>
+                                </p:cTn>
+                              </p:par>
+                              <p:par>
+                                <p:cTn id="11" presetID="1" presetClass="entr" presetSubtype="0" fill="hold" grpId="0" nodeType="withEffect">
+                                  <p:stCondLst>
+                                    <p:cond delay="0"/>
+                                  </p:stCondLst>
+                                  <p:childTnLst>
+                                    <p:set>
+                                      <p:cBhvr>
+                                        <p:cTn id="12" dur="1" fill="hold">
+                                          <p:stCondLst>
+                                            <p:cond delay="0"/>
+                                          </p:stCondLst>
+                                        </p:cTn>
+                                        <p:tgtEl>
+                                          <p:spTgt spid="7">
+                                            <p:txEl>
+                                              <p:pRg st="3" end="3"/>
+                                            </p:txEl>
+                                          </p:spTgt>
+                                        </p:tgtEl>
+                                        <p:attrNameLst>
+                                          <p:attrName>style.visibility</p:attrName>
+                                        </p:attrNameLst>
+                                      </p:cBhvr>
+                                      <p:to>
+                                        <p:strVal val="visible"/>
+                                      </p:to>
+                                    </p:set>
+                                  </p:childTnLst>
+                                </p:cTn>
+                              </p:par>
+                              <p:par>
+                                <p:cTn id="13" presetID="1" presetClass="entr" presetSubtype="0" fill="hold" grpId="0" nodeType="withEffect">
+                                  <p:stCondLst>
+                                    <p:cond delay="0"/>
+                                  </p:stCondLst>
+                                  <p:childTnLst>
+                                    <p:set>
+                                      <p:cBhvr>
+                                        <p:cTn id="14" dur="1" fill="hold">
+                                          <p:stCondLst>
+                                            <p:cond delay="0"/>
+                                          </p:stCondLst>
+                                        </p:cTn>
+                                        <p:tgtEl>
+                                          <p:spTgt spid="7">
+                                            <p:txEl>
+                                              <p:pRg st="4" end="4"/>
+                                            </p:txEl>
+                                          </p:spTgt>
+                                        </p:tgtEl>
+                                        <p:attrNameLst>
+                                          <p:attrName>style.visibility</p:attrName>
+                                        </p:attrNameLst>
+                                      </p:cBhvr>
+                                      <p:to>
+                                        <p:strVal val="visible"/>
+                                      </p:to>
+                                    </p:set>
+                                  </p:childTnLst>
+                                </p:cTn>
+                              </p:par>
+                              <p:par>
+                                <p:cTn id="15" presetID="1" presetClass="entr" presetSubtype="0" fill="hold" grpId="0" nodeType="withEffect">
+                                  <p:stCondLst>
+                                    <p:cond delay="0"/>
+                                  </p:stCondLst>
+                                  <p:childTnLst>
+                                    <p:set>
+                                      <p:cBhvr>
+                                        <p:cTn id="16" dur="1" fill="hold">
+                                          <p:stCondLst>
+                                            <p:cond delay="0"/>
+                                          </p:stCondLst>
+                                        </p:cTn>
+                                        <p:tgtEl>
+                                          <p:spTgt spid="7">
+                                            <p:txEl>
+                                              <p:pRg st="5" end="5"/>
+                                            </p:txEl>
+                                          </p:spTgt>
+                                        </p:tgtEl>
+                                        <p:attrNameLst>
+                                          <p:attrName>style.visibility</p:attrName>
+                                        </p:attrNameLst>
+                                      </p:cBhvr>
+                                      <p:to>
+                                        <p:strVal val="visible"/>
+                                      </p:to>
+                                    </p:set>
+                                  </p:childTnLst>
+                                </p:cTn>
+                              </p:par>
+                              <p:par>
+                                <p:cTn id="17" presetID="1" presetClass="entr" presetSubtype="0" fill="hold" grpId="0" nodeType="withEffect">
+                                  <p:stCondLst>
+                                    <p:cond delay="0"/>
+                                  </p:stCondLst>
+                                  <p:childTnLst>
+                                    <p:set>
+                                      <p:cBhvr>
+                                        <p:cTn id="18" dur="1" fill="hold">
+                                          <p:stCondLst>
+                                            <p:cond delay="0"/>
+                                          </p:stCondLst>
+                                        </p:cTn>
+                                        <p:tgtEl>
+                                          <p:spTgt spid="7">
+                                            <p:txEl>
+                                              <p:pRg st="6" end="6"/>
+                                            </p:txEl>
+                                          </p:spTgt>
+                                        </p:tgtEl>
+                                        <p:attrNameLst>
+                                          <p:attrName>style.visibility</p:attrName>
+                                        </p:attrNameLst>
+                                      </p:cBhvr>
+                                      <p:to>
+                                        <p:strVal val="visible"/>
+                                      </p:to>
+                                    </p:set>
+                                  </p:childTnLst>
+                                </p:cTn>
+                              </p:par>
+                              <p:par>
+                                <p:cTn id="19" presetID="1" presetClass="entr" presetSubtype="0" fill="hold" grpId="0" nodeType="withEffect">
+                                  <p:stCondLst>
+                                    <p:cond delay="0"/>
+                                  </p:stCondLst>
+                                  <p:childTnLst>
+                                    <p:set>
+                                      <p:cBhvr>
+                                        <p:cTn id="20" dur="1" fill="hold">
+                                          <p:stCondLst>
+                                            <p:cond delay="0"/>
+                                          </p:stCondLst>
+                                        </p:cTn>
+                                        <p:tgtEl>
+                                          <p:spTgt spid="7">
+                                            <p:txEl>
+                                              <p:pRg st="7" end="7"/>
+                                            </p:txEl>
+                                          </p:spTgt>
+                                        </p:tgtEl>
+                                        <p:attrNameLst>
+                                          <p:attrName>style.visibility</p:attrName>
+                                        </p:attrNameLst>
+                                      </p:cBhvr>
+                                      <p:to>
+                                        <p:strVal val="visible"/>
+                                      </p:to>
+                                    </p:set>
+                                  </p:childTnLst>
+                                </p:cTn>
+                              </p:par>
+                            </p:childTnLst>
+                          </p:cTn>
+                        </p:par>
+                      </p:childTnLst>
+                    </p:cTn>
+                  </p:par>
+                  <p:par>
+                    <p:cTn id="21" fill="hold">
+                      <p:stCondLst>
+                        <p:cond delay="indefinite"/>
+                      </p:stCondLst>
+                      <p:childTnLst>
+                        <p:par>
+                          <p:cTn id="22" fill="hold">
+                            <p:stCondLst>
+                              <p:cond delay="0"/>
+                            </p:stCondLst>
+                            <p:childTnLst>
+                              <p:par>
+                                <p:cTn id="23" presetID="1" presetClass="entr" presetSubtype="0" fill="hold" grpId="0" nodeType="clickEffect">
+                                  <p:stCondLst>
+                                    <p:cond delay="0"/>
+                                  </p:stCondLst>
+                                  <p:childTnLst>
+                                    <p:set>
+                                      <p:cBhvr>
+                                        <p:cTn id="24" dur="1" fill="hold">
+                                          <p:stCondLst>
+                                            <p:cond delay="0"/>
+                                          </p:stCondLst>
+                                        </p:cTn>
+                                        <p:tgtEl>
+                                          <p:spTgt spid="7">
+                                            <p:txEl>
+                                              <p:pRg st="8" end="8"/>
+                                            </p:txEl>
+                                          </p:spTgt>
+                                        </p:tgtEl>
+                                        <p:attrNameLst>
+                                          <p:attrName>style.visibility</p:attrName>
+                                        </p:attrNameLst>
+                                      </p:cBhvr>
+                                      <p:to>
+                                        <p:strVal val="visible"/>
+                                      </p:to>
+                                    </p:set>
+                                  </p:childTnLst>
+                                </p:cTn>
+                              </p:par>
+                              <p:par>
+                                <p:cTn id="25" presetID="1" presetClass="entr" presetSubtype="0" fill="hold" grpId="0" nodeType="withEffect">
+                                  <p:stCondLst>
+                                    <p:cond delay="0"/>
+                                  </p:stCondLst>
+                                  <p:childTnLst>
+                                    <p:set>
+                                      <p:cBhvr>
+                                        <p:cTn id="26" dur="1" fill="hold">
+                                          <p:stCondLst>
+                                            <p:cond delay="0"/>
+                                          </p:stCondLst>
+                                        </p:cTn>
+                                        <p:tgtEl>
+                                          <p:spTgt spid="7">
+                                            <p:txEl>
+                                              <p:pRg st="9" end="9"/>
+                                            </p:txEl>
+                                          </p:spTgt>
+                                        </p:tgtEl>
+                                        <p:attrNameLst>
+                                          <p:attrName>style.visibility</p:attrName>
+                                        </p:attrNameLst>
+                                      </p:cBhvr>
+                                      <p:to>
+                                        <p:strVal val="visible"/>
+                                      </p:to>
+                                    </p:set>
+                                  </p:childTnLst>
+                                </p:cTn>
+                              </p:par>
+                              <p:par>
+                                <p:cTn id="27" presetID="1" presetClass="entr" presetSubtype="0" fill="hold" grpId="0" nodeType="withEffect">
+                                  <p:stCondLst>
+                                    <p:cond delay="0"/>
+                                  </p:stCondLst>
+                                  <p:childTnLst>
+                                    <p:set>
+                                      <p:cBhvr>
+                                        <p:cTn id="28" dur="1" fill="hold">
+                                          <p:stCondLst>
+                                            <p:cond delay="0"/>
+                                          </p:stCondLst>
+                                        </p:cTn>
+                                        <p:tgtEl>
+                                          <p:spTgt spid="7">
+                                            <p:txEl>
+                                              <p:pRg st="10" end="10"/>
+                                            </p:txEl>
+                                          </p:spTgt>
+                                        </p:tgtEl>
+                                        <p:attrNameLst>
+                                          <p:attrName>style.visibility</p:attrName>
+                                        </p:attrNameLst>
+                                      </p:cBhvr>
+                                      <p:to>
+                                        <p:strVal val="visible"/>
+                                      </p:to>
+                                    </p:set>
+                                  </p:childTnLst>
+                                </p:cTn>
+                              </p:par>
+                            </p:childTnLst>
+                          </p:cTn>
+                        </p:par>
+                      </p:childTnLst>
+                    </p:cTn>
+                  </p:par>
+                  <p:par>
+                    <p:cTn id="29" fill="hold">
+                      <p:stCondLst>
+                        <p:cond delay="indefinite"/>
+                      </p:stCondLst>
+                      <p:childTnLst>
+                        <p:par>
+                          <p:cTn id="30" fill="hold">
+                            <p:stCondLst>
+                              <p:cond delay="0"/>
+                            </p:stCondLst>
+                            <p:childTnLst>
+                              <p:par>
+                                <p:cTn id="31" presetID="1" presetClass="entr" presetSubtype="0" fill="hold" grpId="0" nodeType="clickEffect">
+                                  <p:stCondLst>
+                                    <p:cond delay="0"/>
+                                  </p:stCondLst>
+                                  <p:childTnLst>
+                                    <p:set>
+                                      <p:cBhvr>
+                                        <p:cTn id="32" dur="1" fill="hold">
+                                          <p:stCondLst>
+                                            <p:cond delay="0"/>
+                                          </p:stCondLst>
+                                        </p:cTn>
+                                        <p:tgtEl>
+                                          <p:spTgt spid="7">
+                                            <p:txEl>
+                                              <p:pRg st="12" end="12"/>
+                                            </p:txEl>
+                                          </p:spTgt>
+                                        </p:tgtEl>
+                                        <p:attrNameLst>
+                                          <p:attrName>style.visibility</p:attrName>
+                                        </p:attrNameLst>
+                                      </p:cBhvr>
+                                      <p:to>
+                                        <p:strVal val="visible"/>
+                                      </p:to>
+                                    </p:set>
+                                  </p:childTnLst>
+                                </p:cTn>
+                              </p:par>
+                              <p:par>
+                                <p:cTn id="33" presetID="1" presetClass="entr" presetSubtype="0" fill="hold" grpId="0" nodeType="withEffect">
+                                  <p:stCondLst>
+                                    <p:cond delay="0"/>
+                                  </p:stCondLst>
+                                  <p:childTnLst>
+                                    <p:set>
+                                      <p:cBhvr>
+                                        <p:cTn id="34" dur="1" fill="hold">
+                                          <p:stCondLst>
+                                            <p:cond delay="0"/>
+                                          </p:stCondLst>
+                                        </p:cTn>
+                                        <p:tgtEl>
+                                          <p:spTgt spid="7">
+                                            <p:txEl>
+                                              <p:pRg st="13" end="13"/>
+                                            </p:txEl>
+                                          </p:spTgt>
+                                        </p:tgtEl>
+                                        <p:attrNameLst>
+                                          <p:attrName>style.visibility</p:attrName>
+                                        </p:attrNameLst>
+                                      </p:cBhvr>
+                                      <p:to>
+                                        <p:strVal val="visible"/>
+                                      </p:to>
+                                    </p:set>
+                                  </p:childTnLst>
+                                </p:cTn>
+                              </p:par>
+                              <p:par>
+                                <p:cTn id="35" presetID="1" presetClass="entr" presetSubtype="0" fill="hold" grpId="0" nodeType="withEffect">
+                                  <p:stCondLst>
+                                    <p:cond delay="0"/>
+                                  </p:stCondLst>
+                                  <p:childTnLst>
+                                    <p:set>
+                                      <p:cBhvr>
+                                        <p:cTn id="36" dur="1" fill="hold">
+                                          <p:stCondLst>
+                                            <p:cond delay="0"/>
+                                          </p:stCondLst>
+                                        </p:cTn>
+                                        <p:tgtEl>
+                                          <p:spTgt spid="7">
+                                            <p:txEl>
+                                              <p:pRg st="16" end="16"/>
+                                            </p:txEl>
+                                          </p:spTgt>
+                                        </p:tgtEl>
+                                        <p:attrNameLst>
+                                          <p:attrName>style.visibility</p:attrName>
+                                        </p:attrNameLst>
+                                      </p:cBhvr>
+                                      <p:to>
+                                        <p:strVal val="visible"/>
+                                      </p:to>
+                                    </p:set>
+                                  </p:childTnLst>
+                                </p:cTn>
+                              </p:par>
+                            </p:childTnLst>
+                          </p:cTn>
+                        </p:par>
+                      </p:childTnLst>
+                    </p:cTn>
+                  </p:par>
+                </p:childTnLst>
+              </p:cTn>
+              <p:prevCondLst>
+                <p:cond evt="onPrev" delay="0">
+                  <p:tgtEl>
+                    <p:sldTgt/>
+                  </p:tgtEl>
+                </p:cond>
+              </p:prevCondLst>
+              <p:nextCondLst>
+                <p:cond evt="onNext" delay="0">
+                  <p:tgtEl>
+                    <p:sldTgt/>
+                  </p:tgtEl>
+                </p:cond>
+              </p:nextCondLst>
+            </p:seq>
+          </p:childTnLst>
+        </p:cTn>
+      </p:par>
+    </p:tnLst>
+    <p:bldLst>
+      <p:bldP spid="7" grpId="0" uiExpand="1" build="p"/>
+    </p:bldLst>
+  </p:timing>
+</p:sld>
+</file>
+
 <file path=ppt/slides/slide3.xml><?xml version="1.0" encoding="utf-8"?>
 <p:sld xmlns:a="http://schemas.openxmlformats.org/drawingml/2006/main" xmlns:r="http://schemas.openxmlformats.org/officeDocument/2006/relationships" xmlns:p="http://schemas.openxmlformats.org/presentationml/2006/main">
   <p:cSld>
@@ -9950,7 +12173,7 @@
           <a:graphicData uri="http://schemas.openxmlformats.org/presentationml/2006/ole">
             <mc:AlternateContent xmlns:mc="http://schemas.openxmlformats.org/markup-compatibility/2006">
               <mc:Choice xmlns:v="urn:schemas-microsoft-com:vml" Requires="v">
-                <p:oleObj spid="_x0000_s1311" name="Worksheet" r:id="rId4" imgW="12725528" imgH="11820418" progId="Excel.Sheet.12">
+                <p:oleObj spid="_x0000_s1329" name="Worksheet" r:id="rId4" imgW="12725528" imgH="11820418" progId="Excel.Sheet.12">
                   <p:embed/>
                 </p:oleObj>
               </mc:Choice>
@@ -10569,15 +12792,7 @@
             </a:r>
             <a:r>
               <a:rPr lang="en-US" sz="1400" dirty="0" smtClean="0"/>
-              <a:t>for </a:t>
-            </a:r>
-            <a:r>
-              <a:rPr lang="en-US" sz="1400" dirty="0" smtClean="0"/>
-              <a:t>each of </a:t>
-            </a:r>
-            <a:r>
-              <a:rPr lang="en-US" sz="1400" dirty="0" smtClean="0"/>
-              <a:t>the </a:t>
+              <a:t>for each of the </a:t>
             </a:r>
             <a:r>
               <a:rPr lang="en-US" sz="1400" dirty="0"/>
